--- a/Router.pptx
+++ b/Router.pptx
@@ -794,7 +794,7 @@
           </a:ln>
           <a:extLst>
             <a:ext uri="{C572A759-6A51-4108-AA02-DFA0A04FC94B}">
-              <ma14:wrappingTextBoxFlag xmlns="" xmlns:m="http://schemas.openxmlformats.org/officeDocument/2006/math" xmlns:a14="http://schemas.microsoft.com/office/drawing/2010/main" xmlns:ma14="http://schemas.microsoft.com/office/mac/drawingml/2011/main" val="1"/>
+              <ma14:wrappingTextBoxFlag xmlns:ma14="http://schemas.microsoft.com/office/mac/drawingml/2011/main" xmlns:a14="http://schemas.microsoft.com/office/drawing/2010/main" xmlns:m="http://schemas.openxmlformats.org/officeDocument/2006/math" xmlns="" val="1"/>
             </a:ext>
           </a:extLst>
         </p:spPr>
@@ -1166,7 +1166,7 @@
           </a:ln>
           <a:extLst>
             <a:ext uri="{C572A759-6A51-4108-AA02-DFA0A04FC94B}">
-              <ma14:wrappingTextBoxFlag xmlns="" xmlns:m="http://schemas.openxmlformats.org/officeDocument/2006/math" xmlns:a14="http://schemas.microsoft.com/office/drawing/2010/main" xmlns:ma14="http://schemas.microsoft.com/office/mac/drawingml/2011/main" val="1"/>
+              <ma14:wrappingTextBoxFlag xmlns:ma14="http://schemas.microsoft.com/office/mac/drawingml/2011/main" xmlns:a14="http://schemas.microsoft.com/office/drawing/2010/main" xmlns:m="http://schemas.openxmlformats.org/officeDocument/2006/math" xmlns="" val="1"/>
             </a:ext>
           </a:extLst>
         </p:spPr>
@@ -1805,7 +1805,7 @@
           </a:ln>
           <a:extLst>
             <a:ext uri="{C572A759-6A51-4108-AA02-DFA0A04FC94B}">
-              <ma14:wrappingTextBoxFlag xmlns="" xmlns:m="http://schemas.openxmlformats.org/officeDocument/2006/math" xmlns:a14="http://schemas.microsoft.com/office/drawing/2010/main" xmlns:ma14="http://schemas.microsoft.com/office/mac/drawingml/2011/main" val="1"/>
+              <ma14:wrappingTextBoxFlag xmlns:ma14="http://schemas.microsoft.com/office/mac/drawingml/2011/main" xmlns:a14="http://schemas.microsoft.com/office/drawing/2010/main" xmlns:m="http://schemas.openxmlformats.org/officeDocument/2006/math" xmlns="" val="1"/>
             </a:ext>
           </a:extLst>
         </p:spPr>
@@ -3435,7 +3435,7 @@
           </a:ln>
           <a:extLst>
             <a:ext uri="{C572A759-6A51-4108-AA02-DFA0A04FC94B}">
-              <ma14:wrappingTextBoxFlag xmlns="" xmlns:m="http://schemas.openxmlformats.org/officeDocument/2006/math" xmlns:a14="http://schemas.microsoft.com/office/drawing/2010/main" xmlns:ma14="http://schemas.microsoft.com/office/mac/drawingml/2011/main" val="1"/>
+              <ma14:wrappingTextBoxFlag xmlns:ma14="http://schemas.microsoft.com/office/mac/drawingml/2011/main" xmlns:a14="http://schemas.microsoft.com/office/drawing/2010/main" xmlns:m="http://schemas.openxmlformats.org/officeDocument/2006/math" xmlns="" val="1"/>
             </a:ext>
           </a:extLst>
         </p:spPr>
@@ -3478,7 +3478,7 @@
           </a:ln>
           <a:extLst>
             <a:ext uri="{C572A759-6A51-4108-AA02-DFA0A04FC94B}">
-              <ma14:wrappingTextBoxFlag xmlns="" xmlns:m="http://schemas.openxmlformats.org/officeDocument/2006/math" xmlns:a14="http://schemas.microsoft.com/office/drawing/2010/main" xmlns:ma14="http://schemas.microsoft.com/office/mac/drawingml/2011/main" val="1"/>
+              <ma14:wrappingTextBoxFlag xmlns:ma14="http://schemas.microsoft.com/office/mac/drawingml/2011/main" xmlns:a14="http://schemas.microsoft.com/office/drawing/2010/main" xmlns:m="http://schemas.openxmlformats.org/officeDocument/2006/math" xmlns="" val="1"/>
             </a:ext>
           </a:extLst>
         </p:spPr>
@@ -4422,8 +4422,8 @@
           <a:p>
             <a:pPr algn="l" rtl="0"/>
             <a:r>
-              <a:rPr lang="en-GB"/>
-              <a:t>JavaScript I</a:t>
+              <a:rPr lang="en-GB" dirty="0"/>
+              <a:t>React Router</a:t>
             </a:r>
             <a:endParaRPr dirty="0"/>
           </a:p>
@@ -4451,11 +4451,7 @@
             <a:pPr algn="l" rtl="0">
               <a:defRPr/>
             </a:pPr>
-            <a:r>
-              <a:rPr lang="en-GB"/>
-              <a:t>Variables, operators and Psudecode</a:t>
-            </a:r>
-            <a:endParaRPr/>
+            <a:endParaRPr dirty="0"/>
           </a:p>
         </p:txBody>
       </p:sp>
